--- a/thesis/Sources.pptx
+++ b/thesis/Sources.pptx
@@ -281,7 +281,7 @@
           <a:p>
             <a:fld id="{1160EA64-D806-43AC-9DF2-F8C432F32B4C}" type="datetimeFigureOut">
               <a:rPr lang="en-US" dirty="0"/>
-              <a:t>25-Nov-18</a:t>
+              <a:t>14-Feb-19</a:t>
             </a:fld>
             <a:endParaRPr lang="en-US" dirty="0"/>
           </a:p>
@@ -447,7 +447,7 @@
           <a:p>
             <a:fld id="{E9F9C37B-1D36-470B-8223-D6C91242EC14}" type="datetimeFigureOut">
               <a:rPr lang="en-US" dirty="0"/>
-              <a:t>25-Nov-18</a:t>
+              <a:t>14-Feb-19</a:t>
             </a:fld>
             <a:endParaRPr lang="en-US" dirty="0"/>
           </a:p>
@@ -622,7 +622,7 @@
           <a:p>
             <a:fld id="{67C6F52A-A82B-47A2-A83A-8C4C91F2D59F}" type="datetimeFigureOut">
               <a:rPr lang="en-US" dirty="0"/>
-              <a:t>25-Nov-18</a:t>
+              <a:t>14-Feb-19</a:t>
             </a:fld>
             <a:endParaRPr lang="en-US" dirty="0"/>
           </a:p>
@@ -787,7 +787,7 @@
           <a:p>
             <a:fld id="{F070A7B3-6521-4DCA-87E5-044747A908C1}" type="datetimeFigureOut">
               <a:rPr lang="en-US" dirty="0"/>
-              <a:t>25-Nov-18</a:t>
+              <a:t>14-Feb-19</a:t>
             </a:fld>
             <a:endParaRPr lang="en-US" dirty="0"/>
           </a:p>
@@ -1051,7 +1051,7 @@
           <a:p>
             <a:fld id="{1160EA64-D806-43AC-9DF2-F8C432F32B4C}" type="datetimeFigureOut">
               <a:rPr lang="en-US" dirty="0"/>
-              <a:t>25-Nov-18</a:t>
+              <a:t>14-Feb-19</a:t>
             </a:fld>
             <a:endParaRPr lang="en-US" dirty="0"/>
           </a:p>
@@ -1279,7 +1279,7 @@
           <a:p>
             <a:fld id="{AB134690-1557-4C89-A502-4959FE7FAD70}" type="datetimeFigureOut">
               <a:rPr lang="en-US" dirty="0"/>
-              <a:t>25-Nov-18</a:t>
+              <a:t>14-Feb-19</a:t>
             </a:fld>
             <a:endParaRPr lang="en-US" dirty="0"/>
           </a:p>
@@ -1633,7 +1633,7 @@
           <a:p>
             <a:fld id="{4F7D4976-E339-4826-83B7-FBD03F55ECF8}" type="datetimeFigureOut">
               <a:rPr lang="en-US" dirty="0"/>
-              <a:t>25-Nov-18</a:t>
+              <a:t>14-Feb-19</a:t>
             </a:fld>
             <a:endParaRPr lang="en-US" dirty="0"/>
           </a:p>
@@ -1769,7 +1769,7 @@
           <a:p>
             <a:fld id="{E1037C31-9E7A-4F99-8774-A0E530DE1A42}" type="datetimeFigureOut">
               <a:rPr lang="en-US" dirty="0"/>
-              <a:t>25-Nov-18</a:t>
+              <a:t>14-Feb-19</a:t>
             </a:fld>
             <a:endParaRPr lang="en-US" dirty="0"/>
           </a:p>
@@ -1859,7 +1859,7 @@
           <a:p>
             <a:fld id="{C278504F-A551-4DE0-9316-4DCD1D8CC752}" type="datetimeFigureOut">
               <a:rPr lang="en-US" dirty="0"/>
-              <a:t>25-Nov-18</a:t>
+              <a:t>14-Feb-19</a:t>
             </a:fld>
             <a:endParaRPr lang="en-US" dirty="0"/>
           </a:p>
@@ -2211,7 +2211,7 @@
           <a:p>
             <a:fld id="{D1BE4249-C0D0-4B06-8692-E8BB871AF643}" type="datetimeFigureOut">
               <a:rPr lang="en-US" dirty="0"/>
-              <a:t>25-Nov-18</a:t>
+              <a:t>14-Feb-19</a:t>
             </a:fld>
             <a:endParaRPr lang="en-US" dirty="0"/>
           </a:p>
@@ -2563,7 +2563,7 @@
           <a:p>
             <a:fld id="{042B0DB6-F5C7-45FB-8CF3-31B45F9C2DAC}" type="datetimeFigureOut">
               <a:rPr lang="en-US" dirty="0"/>
-              <a:t>25-Nov-18</a:t>
+              <a:t>14-Feb-19</a:t>
             </a:fld>
             <a:endParaRPr lang="en-US" dirty="0"/>
           </a:p>
@@ -2799,7 +2799,7 @@
           <a:p>
             <a:fld id="{1160EA64-D806-43AC-9DF2-F8C432F32B4C}" type="datetimeFigureOut">
               <a:rPr lang="en-US" dirty="0"/>
-              <a:t>25-Nov-18</a:t>
+              <a:t>14-Feb-19</a:t>
             </a:fld>
             <a:endParaRPr lang="en-US" dirty="0"/>
           </a:p>
@@ -3519,7 +3519,7 @@
         </p:spPr>
         <p:txBody>
           <a:bodyPr vert="horz" lIns="91440" tIns="45720" rIns="91440" bIns="45720" rtlCol="0" anchor="t">
-            <a:normAutofit fontScale="92500"/>
+            <a:normAutofit/>
           </a:bodyPr>
           <a:lstStyle/>
           <a:p>
@@ -3528,10 +3528,10 @@
               <a:t>Tomáš </a:t>
             </a:r>
             <a:r>
-              <a:rPr lang="sk-SK" b="1" err="1"/>
+              <a:rPr lang="sk-SK" b="1" dirty="0" err="1"/>
               <a:t>Bočinec</a:t>
             </a:r>
-            <a:endParaRPr lang="sk-SK" b="1"/>
+            <a:endParaRPr lang="sk-SK" b="1" dirty="0"/>
           </a:p>
           <a:p>
             <a:pPr marL="0" indent="0">
@@ -3553,10 +3553,10 @@
               <a:t>Viliam </a:t>
             </a:r>
             <a:r>
-              <a:rPr lang="sk-SK" b="1" err="1"/>
+              <a:rPr lang="sk-SK" b="1" dirty="0" err="1"/>
               <a:t>Vakerman</a:t>
             </a:r>
-            <a:endParaRPr lang="sk-SK" b="1"/>
+            <a:endParaRPr lang="sk-SK" b="1" dirty="0"/>
           </a:p>
           <a:p>
             <a:pPr marL="0" indent="0">
@@ -3569,69 +3569,61 @@
           </a:p>
           <a:p>
             <a:r>
-              <a:rPr lang="sk-SK" b="1" dirty="0"/>
-              <a:t>Ivan </a:t>
-            </a:r>
-            <a:r>
-              <a:rPr lang="sk-SK" b="1" err="1"/>
-              <a:t>Latták</a:t>
-            </a:r>
-            <a:endParaRPr lang="sk-SK"/>
+              <a:rPr lang="en-US" b="1" dirty="0"/>
+              <a:t>Daniel </a:t>
+            </a:r>
+            <a:r>
+              <a:rPr lang="en-US" b="1" dirty="0" err="1"/>
+              <a:t>Krajč</a:t>
+            </a:r>
+            <a:endParaRPr lang="sk-SK" b="1" dirty="0"/>
           </a:p>
           <a:p>
             <a:pPr marL="0" indent="0">
               <a:buNone/>
             </a:pPr>
             <a:r>
-              <a:rPr lang="sk-SK" dirty="0"/>
-              <a:t>Vývojové prostredie pre učenie sa </a:t>
-            </a:r>
-            <a:r>
-              <a:rPr lang="sk-SK" dirty="0" err="1"/>
-              <a:t>refaktorizácie</a:t>
-            </a:r>
-            <a:r>
-              <a:rPr lang="sk-SK" dirty="0"/>
-              <a:t> kódu (2016-17)</a:t>
-            </a:r>
-          </a:p>
-          <a:p>
-            <a:r>
-              <a:rPr lang="sk-SK" b="1" dirty="0"/>
-              <a:t>Ján </a:t>
-            </a:r>
-            <a:r>
-              <a:rPr lang="sk-SK" b="1" err="1"/>
-              <a:t>Šilar</a:t>
-            </a:r>
-            <a:endParaRPr lang="sk-SK"/>
+              <a:rPr lang="en-US" dirty="0" err="1"/>
+              <a:t>Webové</a:t>
+            </a:r>
+            <a:r>
+              <a:rPr lang="en-US" dirty="0"/>
+              <a:t> </a:t>
+            </a:r>
+            <a:r>
+              <a:rPr lang="en-US" dirty="0" err="1"/>
+              <a:t>vývojové</a:t>
+            </a:r>
+            <a:r>
+              <a:rPr lang="en-US" dirty="0"/>
+              <a:t> </a:t>
+            </a:r>
+            <a:r>
+              <a:rPr lang="en-US" dirty="0" err="1"/>
+              <a:t>prostredie</a:t>
+            </a:r>
+            <a:r>
+              <a:rPr lang="en-US" dirty="0"/>
+              <a:t> pre </a:t>
+            </a:r>
+            <a:r>
+              <a:rPr lang="en-US" dirty="0" err="1"/>
+              <a:t>jazyk</a:t>
+            </a:r>
+            <a:r>
+              <a:rPr lang="en-US" dirty="0"/>
+              <a:t> C++</a:t>
+            </a:r>
+            <a:r>
+              <a:rPr lang="sk-SK" dirty="0"/>
+              <a:t> (2009-2010)</a:t>
+            </a:r>
+            <a:endParaRPr lang="en-US" b="1" dirty="0"/>
           </a:p>
           <a:p>
             <a:pPr marL="0" indent="0">
               <a:buNone/>
             </a:pPr>
-            <a:r>
-              <a:rPr lang="sk-SK" dirty="0"/>
-              <a:t>Testovanie kódu v C++ pri metodológii Test </a:t>
-            </a:r>
-            <a:r>
-              <a:rPr lang="sk-SK" dirty="0" err="1"/>
-              <a:t>Driven</a:t>
-            </a:r>
-            <a:r>
-              <a:rPr lang="sk-SK" dirty="0"/>
-              <a:t> </a:t>
-            </a:r>
-            <a:r>
-              <a:rPr lang="sk-SK" dirty="0" err="1"/>
-              <a:t>Development</a:t>
-            </a:r>
-            <a:r>
-              <a:rPr lang="sk-SK" dirty="0"/>
-              <a:t> (2009-10)</a:t>
-            </a:r>
-          </a:p>
-          <a:p>
             <a:endParaRPr lang="sk-SK" dirty="0"/>
           </a:p>
           <a:p>
@@ -4171,7 +4163,7 @@
         </p:spPr>
         <p:txBody>
           <a:bodyPr vert="horz" lIns="91440" tIns="45720" rIns="91440" bIns="45720" rtlCol="0" anchor="t">
-            <a:normAutofit fontScale="92500" lnSpcReduction="20000"/>
+            <a:normAutofit/>
           </a:bodyPr>
           <a:lstStyle/>
           <a:p>
@@ -4190,7 +4182,7 @@
               </a:rPr>
               <a:t>https://www.codecademy.com/</a:t>
             </a:r>
-            <a:endParaRPr lang="sk-SK"/>
+            <a:endParaRPr lang="sk-SK" dirty="0"/>
           </a:p>
           <a:p>
             <a:pPr marL="0" indent="0">
@@ -4217,7 +4209,7 @@
               </a:rPr>
               <a:t>https://www.freecodecamp.org/</a:t>
             </a:r>
-            <a:endParaRPr lang="sk-SK"/>
+            <a:endParaRPr lang="sk-SK" dirty="0"/>
           </a:p>
           <a:p>
             <a:pPr marL="0" indent="0">
@@ -4227,50 +4219,6 @@
               <a:rPr lang="sk-SK" dirty="0"/>
               <a:t>Online kurz poskytuje úlohy, ktoré sa robia v rámci práce na projektoch.</a:t>
             </a:r>
-          </a:p>
-          <a:p>
-            <a:r>
-              <a:rPr lang="sk-SK" b="1" dirty="0" err="1"/>
-              <a:t>Jira</a:t>
-            </a:r>
-            <a:r>
-              <a:rPr lang="sk-SK" b="1" dirty="0"/>
-              <a:t> Software</a:t>
-            </a:r>
-          </a:p>
-          <a:p>
-            <a:pPr>
-              <a:buNone/>
-            </a:pPr>
-            <a:r>
-              <a:rPr lang="sk-SK" sz="1900" dirty="0">
-                <a:hlinkClick r:id="rId4"/>
-              </a:rPr>
-              <a:t>https://www.atlassian.com/software/jira</a:t>
-            </a:r>
-            <a:endParaRPr lang="sk-SK" dirty="0">
-              <a:hlinkClick r:id="rId4"/>
-            </a:endParaRPr>
-          </a:p>
-          <a:p>
-            <a:pPr marL="0" indent="0">
-              <a:buNone/>
-            </a:pPr>
-            <a:r>
-              <a:rPr lang="sk-SK" dirty="0" err="1"/>
-              <a:t>Jira</a:t>
-            </a:r>
-            <a:r>
-              <a:rPr lang="sk-SK" dirty="0"/>
-              <a:t> Software poskytuje nástroje pre agilné manažovanie projektov</a:t>
-            </a:r>
-            <a:r>
-              <a:rPr lang="sk-SK" sz="1900" dirty="0"/>
-              <a:t>.</a:t>
-            </a:r>
-          </a:p>
-          <a:p>
-            <a:endParaRPr lang="sk-SK" dirty="0"/>
           </a:p>
         </p:txBody>
       </p:sp>
@@ -4454,10 +4402,7 @@
               <a:rPr lang="sk-SK" b="1" dirty="0" err="1"/>
               <a:t>Angular</a:t>
             </a:r>
-            <a:r>
-              <a:rPr lang="sk-SK" b="1" dirty="0"/>
-              <a:t> CLI</a:t>
-            </a:r>
+            <a:endParaRPr lang="sk-SK" b="1" dirty="0"/>
           </a:p>
           <a:p>
             <a:pPr marL="0" indent="0">
@@ -4672,7 +4617,7 @@
               </a:rPr>
               <a:t>https://spring.io/guides</a:t>
             </a:r>
-            <a:endParaRPr lang="sk-SK" i="1"/>
+            <a:endParaRPr lang="sk-SK" i="1" dirty="0"/>
           </a:p>
           <a:p>
             <a:r>
@@ -4687,7 +4632,7 @@
               <a:rPr lang="sk-SK" b="1" dirty="0" err="1"/>
               <a:t>Boot</a:t>
             </a:r>
-            <a:endParaRPr lang="sk-SK" b="1"/>
+            <a:endParaRPr lang="sk-SK" b="1" dirty="0"/>
           </a:p>
           <a:p>
             <a:pPr marL="0" indent="0">
@@ -4748,7 +4693,7 @@
             </a:r>
             <a:r>
               <a:rPr lang="sk-SK" b="1" dirty="0"/>
-              <a:t> JDBC</a:t>
+              <a:t> JPA</a:t>
             </a:r>
           </a:p>
           <a:p>
